--- a/zadanie1/casestudy.pptx
+++ b/zadanie1/casestudy.pptx
@@ -211,7 +211,7 @@
           <a:p>
             <a:fld id="{B443D341-78E8-43F7-A99A-CC2F3F9E7527}" type="datetimeFigureOut">
               <a:rPr lang="pl-PL" smtClean="0"/>
-              <a:t>16.04.2022</a:t>
+              <a:t>21.04.2022</a:t>
             </a:fld>
             <a:endParaRPr lang="pl-PL"/>
           </a:p>
@@ -609,7 +609,7 @@
           <a:p>
             <a:fld id="{B984C45A-C844-4512-B5CE-0277F559D025}" type="datetimeFigureOut">
               <a:rPr lang="pl-PL" smtClean="0"/>
-              <a:t>16.04.2022</a:t>
+              <a:t>21.04.2022</a:t>
             </a:fld>
             <a:endParaRPr lang="pl-PL"/>
           </a:p>
@@ -779,7 +779,7 @@
           <a:p>
             <a:fld id="{B984C45A-C844-4512-B5CE-0277F559D025}" type="datetimeFigureOut">
               <a:rPr lang="pl-PL" smtClean="0"/>
-              <a:t>16.04.2022</a:t>
+              <a:t>21.04.2022</a:t>
             </a:fld>
             <a:endParaRPr lang="pl-PL"/>
           </a:p>
@@ -959,7 +959,7 @@
           <a:p>
             <a:fld id="{B984C45A-C844-4512-B5CE-0277F559D025}" type="datetimeFigureOut">
               <a:rPr lang="pl-PL" smtClean="0"/>
-              <a:t>16.04.2022</a:t>
+              <a:t>21.04.2022</a:t>
             </a:fld>
             <a:endParaRPr lang="pl-PL"/>
           </a:p>
@@ -1129,7 +1129,7 @@
           <a:p>
             <a:fld id="{B984C45A-C844-4512-B5CE-0277F559D025}" type="datetimeFigureOut">
               <a:rPr lang="pl-PL" smtClean="0"/>
-              <a:t>16.04.2022</a:t>
+              <a:t>21.04.2022</a:t>
             </a:fld>
             <a:endParaRPr lang="pl-PL"/>
           </a:p>
@@ -1375,7 +1375,7 @@
           <a:p>
             <a:fld id="{B984C45A-C844-4512-B5CE-0277F559D025}" type="datetimeFigureOut">
               <a:rPr lang="pl-PL" smtClean="0"/>
-              <a:t>16.04.2022</a:t>
+              <a:t>21.04.2022</a:t>
             </a:fld>
             <a:endParaRPr lang="pl-PL"/>
           </a:p>
@@ -1607,7 +1607,7 @@
           <a:p>
             <a:fld id="{B984C45A-C844-4512-B5CE-0277F559D025}" type="datetimeFigureOut">
               <a:rPr lang="pl-PL" smtClean="0"/>
-              <a:t>16.04.2022</a:t>
+              <a:t>21.04.2022</a:t>
             </a:fld>
             <a:endParaRPr lang="pl-PL"/>
           </a:p>
@@ -1974,7 +1974,7 @@
           <a:p>
             <a:fld id="{B984C45A-C844-4512-B5CE-0277F559D025}" type="datetimeFigureOut">
               <a:rPr lang="pl-PL" smtClean="0"/>
-              <a:t>16.04.2022</a:t>
+              <a:t>21.04.2022</a:t>
             </a:fld>
             <a:endParaRPr lang="pl-PL"/>
           </a:p>
@@ -2092,7 +2092,7 @@
           <a:p>
             <a:fld id="{B984C45A-C844-4512-B5CE-0277F559D025}" type="datetimeFigureOut">
               <a:rPr lang="pl-PL" smtClean="0"/>
-              <a:t>16.04.2022</a:t>
+              <a:t>21.04.2022</a:t>
             </a:fld>
             <a:endParaRPr lang="pl-PL"/>
           </a:p>
@@ -2187,7 +2187,7 @@
           <a:p>
             <a:fld id="{B984C45A-C844-4512-B5CE-0277F559D025}" type="datetimeFigureOut">
               <a:rPr lang="pl-PL" smtClean="0"/>
-              <a:t>16.04.2022</a:t>
+              <a:t>21.04.2022</a:t>
             </a:fld>
             <a:endParaRPr lang="pl-PL"/>
           </a:p>
@@ -2464,7 +2464,7 @@
           <a:p>
             <a:fld id="{B984C45A-C844-4512-B5CE-0277F559D025}" type="datetimeFigureOut">
               <a:rPr lang="pl-PL" smtClean="0"/>
-              <a:t>16.04.2022</a:t>
+              <a:t>21.04.2022</a:t>
             </a:fld>
             <a:endParaRPr lang="pl-PL"/>
           </a:p>
@@ -2721,7 +2721,7 @@
           <a:p>
             <a:fld id="{B984C45A-C844-4512-B5CE-0277F559D025}" type="datetimeFigureOut">
               <a:rPr lang="pl-PL" smtClean="0"/>
-              <a:t>16.04.2022</a:t>
+              <a:t>21.04.2022</a:t>
             </a:fld>
             <a:endParaRPr lang="pl-PL"/>
           </a:p>
@@ -2786,9 +2786,14 @@
 <p:sldMaster xmlns:a="http://schemas.openxmlformats.org/drawingml/2006/main" xmlns:r="http://schemas.openxmlformats.org/officeDocument/2006/relationships" xmlns:p="http://schemas.openxmlformats.org/presentationml/2006/main">
   <p:cSld>
     <p:bg>
-      <p:bgRef idx="1001">
-        <a:schemeClr val="bg1"/>
-      </p:bgRef>
+      <p:bgPr>
+        <a:solidFill>
+          <a:schemeClr val="bg1">
+            <a:lumMod val="95000"/>
+          </a:schemeClr>
+        </a:solidFill>
+        <a:effectLst/>
+      </p:bgPr>
     </p:bg>
     <p:spTree>
       <p:nvGrpSpPr>
@@ -2934,7 +2939,7 @@
           <a:p>
             <a:fld id="{B984C45A-C844-4512-B5CE-0277F559D025}" type="datetimeFigureOut">
               <a:rPr lang="pl-PL" smtClean="0"/>
-              <a:t>16.04.2022</a:t>
+              <a:t>21.04.2022</a:t>
             </a:fld>
             <a:endParaRPr lang="pl-PL"/>
           </a:p>
@@ -3325,14 +3330,6 @@
 <file path=ppt/slides/slide1.xml><?xml version="1.0" encoding="utf-8"?>
 <p:sld xmlns:a="http://schemas.openxmlformats.org/drawingml/2006/main" xmlns:r="http://schemas.openxmlformats.org/officeDocument/2006/relationships" xmlns:p="http://schemas.openxmlformats.org/presentationml/2006/main">
   <p:cSld>
-    <p:bg>
-      <p:bgPr>
-        <a:solidFill>
-          <a:srgbClr val="EFEDEF"/>
-        </a:solidFill>
-        <a:effectLst/>
-      </p:bgPr>
-    </p:bg>
     <p:spTree>
       <p:nvGrpSpPr>
         <p:cNvPr id="1" name=""/>
@@ -3754,14 +3751,6 @@
 <file path=ppt/slides/slide10.xml><?xml version="1.0" encoding="utf-8"?>
 <p:sld xmlns:a="http://schemas.openxmlformats.org/drawingml/2006/main" xmlns:r="http://schemas.openxmlformats.org/officeDocument/2006/relationships" xmlns:p="http://schemas.openxmlformats.org/presentationml/2006/main">
   <p:cSld>
-    <p:bg>
-      <p:bgPr>
-        <a:solidFill>
-          <a:srgbClr val="EFEDEF"/>
-        </a:solidFill>
-        <a:effectLst/>
-      </p:bgPr>
-    </p:bg>
     <p:spTree>
       <p:nvGrpSpPr>
         <p:cNvPr id="1" name=""/>
@@ -5761,14 +5750,6 @@
 <file path=ppt/slides/slide11.xml><?xml version="1.0" encoding="utf-8"?>
 <p:sld xmlns:a="http://schemas.openxmlformats.org/drawingml/2006/main" xmlns:r="http://schemas.openxmlformats.org/officeDocument/2006/relationships" xmlns:p="http://schemas.openxmlformats.org/presentationml/2006/main">
   <p:cSld>
-    <p:bg>
-      <p:bgPr>
-        <a:solidFill>
-          <a:srgbClr val="EFEDEF"/>
-        </a:solidFill>
-        <a:effectLst/>
-      </p:bgPr>
-    </p:bg>
     <p:spTree>
       <p:nvGrpSpPr>
         <p:cNvPr id="1" name=""/>
@@ -7750,14 +7731,6 @@
 <file path=ppt/slides/slide12.xml><?xml version="1.0" encoding="utf-8"?>
 <p:sld xmlns:a="http://schemas.openxmlformats.org/drawingml/2006/main" xmlns:r="http://schemas.openxmlformats.org/officeDocument/2006/relationships" xmlns:p="http://schemas.openxmlformats.org/presentationml/2006/main">
   <p:cSld>
-    <p:bg>
-      <p:bgPr>
-        <a:solidFill>
-          <a:srgbClr val="EFEDEF"/>
-        </a:solidFill>
-        <a:effectLst/>
-      </p:bgPr>
-    </p:bg>
     <p:spTree>
       <p:nvGrpSpPr>
         <p:cNvPr id="1" name=""/>
@@ -8360,14 +8333,6 @@
 <file path=ppt/slides/slide2.xml><?xml version="1.0" encoding="utf-8"?>
 <p:sld xmlns:a="http://schemas.openxmlformats.org/drawingml/2006/main" xmlns:r="http://schemas.openxmlformats.org/officeDocument/2006/relationships" xmlns:p="http://schemas.openxmlformats.org/presentationml/2006/main">
   <p:cSld>
-    <p:bg>
-      <p:bgPr>
-        <a:solidFill>
-          <a:srgbClr val="EFEDEF"/>
-        </a:solidFill>
-        <a:effectLst/>
-      </p:bgPr>
-    </p:bg>
     <p:spTree>
       <p:nvGrpSpPr>
         <p:cNvPr id="1" name=""/>
@@ -9021,14 +8986,6 @@
 <file path=ppt/slides/slide3.xml><?xml version="1.0" encoding="utf-8"?>
 <p:sld xmlns:a="http://schemas.openxmlformats.org/drawingml/2006/main" xmlns:r="http://schemas.openxmlformats.org/officeDocument/2006/relationships" xmlns:p="http://schemas.openxmlformats.org/presentationml/2006/main">
   <p:cSld>
-    <p:bg>
-      <p:bgPr>
-        <a:solidFill>
-          <a:srgbClr val="EFEDEF"/>
-        </a:solidFill>
-        <a:effectLst/>
-      </p:bgPr>
-    </p:bg>
     <p:spTree>
       <p:nvGrpSpPr>
         <p:cNvPr id="1" name=""/>
@@ -9648,14 +9605,6 @@
 <file path=ppt/slides/slide4.xml><?xml version="1.0" encoding="utf-8"?>
 <p:sld xmlns:a="http://schemas.openxmlformats.org/drawingml/2006/main" xmlns:r="http://schemas.openxmlformats.org/officeDocument/2006/relationships" xmlns:p="http://schemas.openxmlformats.org/presentationml/2006/main">
   <p:cSld>
-    <p:bg>
-      <p:bgPr>
-        <a:solidFill>
-          <a:srgbClr val="EFEDEF"/>
-        </a:solidFill>
-        <a:effectLst/>
-      </p:bgPr>
-    </p:bg>
     <p:spTree>
       <p:nvGrpSpPr>
         <p:cNvPr id="1" name=""/>
@@ -10268,14 +10217,6 @@
 <file path=ppt/slides/slide5.xml><?xml version="1.0" encoding="utf-8"?>
 <p:sld xmlns:a="http://schemas.openxmlformats.org/drawingml/2006/main" xmlns:r="http://schemas.openxmlformats.org/officeDocument/2006/relationships" xmlns:p="http://schemas.openxmlformats.org/presentationml/2006/main">
   <p:cSld>
-    <p:bg>
-      <p:bgPr>
-        <a:solidFill>
-          <a:srgbClr val="EFEDEF"/>
-        </a:solidFill>
-        <a:effectLst/>
-      </p:bgPr>
-    </p:bg>
     <p:spTree>
       <p:nvGrpSpPr>
         <p:cNvPr id="1" name=""/>
@@ -10921,14 +10862,6 @@
 <file path=ppt/slides/slide6.xml><?xml version="1.0" encoding="utf-8"?>
 <p:sld xmlns:a="http://schemas.openxmlformats.org/drawingml/2006/main" xmlns:r="http://schemas.openxmlformats.org/officeDocument/2006/relationships" xmlns:p="http://schemas.openxmlformats.org/presentationml/2006/main">
   <p:cSld>
-    <p:bg>
-      <p:bgPr>
-        <a:solidFill>
-          <a:srgbClr val="EFEDEF"/>
-        </a:solidFill>
-        <a:effectLst/>
-      </p:bgPr>
-    </p:bg>
     <p:spTree>
       <p:nvGrpSpPr>
         <p:cNvPr id="1" name=""/>
@@ -11535,14 +11468,6 @@
 <file path=ppt/slides/slide7.xml><?xml version="1.0" encoding="utf-8"?>
 <p:sld xmlns:a="http://schemas.openxmlformats.org/drawingml/2006/main" xmlns:r="http://schemas.openxmlformats.org/officeDocument/2006/relationships" xmlns:p="http://schemas.openxmlformats.org/presentationml/2006/main">
   <p:cSld>
-    <p:bg>
-      <p:bgPr>
-        <a:solidFill>
-          <a:srgbClr val="EFEDEF"/>
-        </a:solidFill>
-        <a:effectLst/>
-      </p:bgPr>
-    </p:bg>
     <p:spTree>
       <p:nvGrpSpPr>
         <p:cNvPr id="1" name=""/>
@@ -12149,14 +12074,6 @@
 <file path=ppt/slides/slide8.xml><?xml version="1.0" encoding="utf-8"?>
 <p:sld xmlns:a="http://schemas.openxmlformats.org/drawingml/2006/main" xmlns:r="http://schemas.openxmlformats.org/officeDocument/2006/relationships" xmlns:p="http://schemas.openxmlformats.org/presentationml/2006/main">
   <p:cSld>
-    <p:bg>
-      <p:bgPr>
-        <a:solidFill>
-          <a:srgbClr val="EFEDEF"/>
-        </a:solidFill>
-        <a:effectLst/>
-      </p:bgPr>
-    </p:bg>
     <p:spTree>
       <p:nvGrpSpPr>
         <p:cNvPr id="1" name=""/>
@@ -12763,14 +12680,6 @@
 <file path=ppt/slides/slide9.xml><?xml version="1.0" encoding="utf-8"?>
 <p:sld xmlns:a="http://schemas.openxmlformats.org/drawingml/2006/main" xmlns:r="http://schemas.openxmlformats.org/officeDocument/2006/relationships" xmlns:p="http://schemas.openxmlformats.org/presentationml/2006/main">
   <p:cSld>
-    <p:bg>
-      <p:bgPr>
-        <a:solidFill>
-          <a:srgbClr val="EFEDEF"/>
-        </a:solidFill>
-        <a:effectLst/>
-      </p:bgPr>
-    </p:bg>
     <p:spTree>
       <p:nvGrpSpPr>
         <p:cNvPr id="1" name=""/>
